--- a/I2C/I2C introduction-PPT.pptx
+++ b/I2C/I2C introduction-PPT.pptx
@@ -919,7 +919,7 @@
           <a:p>
             <a:fld id="{C9A2E23A-47C0-4D19-8ECA-4B68BAA449C4}" type="datetimeFigureOut">
               <a:rPr lang="zh-CN" altLang="en-US" smtClean="0"/>
-              <a:t>2019/9/27</a:t>
+              <a:t>2020/9/2</a:t>
             </a:fld>
             <a:endParaRPr lang="zh-CN" altLang="en-US"/>
           </a:p>
@@ -1420,7 +1420,7 @@
           <a:p>
             <a:fld id="{D886EB43-007C-4455-BB67-DBD2F5AB75BC}" type="datetimeFigureOut">
               <a:rPr lang="zh-CN" altLang="en-US" smtClean="0"/>
-              <a:t>2019/9/27</a:t>
+              <a:t>2020/9/2</a:t>
             </a:fld>
             <a:endParaRPr lang="zh-CN" altLang="en-US"/>
           </a:p>
@@ -1620,7 +1620,7 @@
           <a:p>
             <a:fld id="{D886EB43-007C-4455-BB67-DBD2F5AB75BC}" type="datetimeFigureOut">
               <a:rPr lang="zh-CN" altLang="en-US" smtClean="0"/>
-              <a:t>2019/9/27</a:t>
+              <a:t>2020/9/2</a:t>
             </a:fld>
             <a:endParaRPr lang="zh-CN" altLang="en-US"/>
           </a:p>
@@ -1830,7 +1830,7 @@
           <a:p>
             <a:fld id="{D886EB43-007C-4455-BB67-DBD2F5AB75BC}" type="datetimeFigureOut">
               <a:rPr lang="zh-CN" altLang="en-US" smtClean="0"/>
-              <a:t>2019/9/27</a:t>
+              <a:t>2020/9/2</a:t>
             </a:fld>
             <a:endParaRPr lang="zh-CN" altLang="en-US"/>
           </a:p>
@@ -2779,7 +2779,7 @@
           <a:p>
             <a:fld id="{469DBF4B-EB49-4AA6-B176-453F33C22AD8}" type="datetimeFigureOut">
               <a:rPr lang="zh-CN" altLang="en-US" smtClean="0"/>
-              <a:t>2019/9/27</a:t>
+              <a:t>2020/9/2</a:t>
             </a:fld>
             <a:endParaRPr lang="zh-CN" altLang="en-US"/>
           </a:p>
@@ -3225,7 +3225,7 @@
           <a:p>
             <a:fld id="{D886EB43-007C-4455-BB67-DBD2F5AB75BC}" type="datetimeFigureOut">
               <a:rPr lang="zh-CN" altLang="en-US" smtClean="0"/>
-              <a:t>2019/9/27</a:t>
+              <a:t>2020/9/2</a:t>
             </a:fld>
             <a:endParaRPr lang="zh-CN" altLang="en-US"/>
           </a:p>
@@ -3501,7 +3501,7 @@
           <a:p>
             <a:fld id="{D886EB43-007C-4455-BB67-DBD2F5AB75BC}" type="datetimeFigureOut">
               <a:rPr lang="zh-CN" altLang="en-US" smtClean="0"/>
-              <a:t>2019/9/27</a:t>
+              <a:t>2020/9/2</a:t>
             </a:fld>
             <a:endParaRPr lang="zh-CN" altLang="en-US"/>
           </a:p>
@@ -3769,7 +3769,7 @@
           <a:p>
             <a:fld id="{D886EB43-007C-4455-BB67-DBD2F5AB75BC}" type="datetimeFigureOut">
               <a:rPr lang="zh-CN" altLang="en-US" smtClean="0"/>
-              <a:t>2019/9/27</a:t>
+              <a:t>2020/9/2</a:t>
             </a:fld>
             <a:endParaRPr lang="zh-CN" altLang="en-US"/>
           </a:p>
@@ -4184,7 +4184,7 @@
           <a:p>
             <a:fld id="{D886EB43-007C-4455-BB67-DBD2F5AB75BC}" type="datetimeFigureOut">
               <a:rPr lang="zh-CN" altLang="en-US" smtClean="0"/>
-              <a:t>2019/9/27</a:t>
+              <a:t>2020/9/2</a:t>
             </a:fld>
             <a:endParaRPr lang="zh-CN" altLang="en-US"/>
           </a:p>
@@ -4326,7 +4326,7 @@
           <a:p>
             <a:fld id="{D886EB43-007C-4455-BB67-DBD2F5AB75BC}" type="datetimeFigureOut">
               <a:rPr lang="zh-CN" altLang="en-US" smtClean="0"/>
-              <a:t>2019/9/27</a:t>
+              <a:t>2020/9/2</a:t>
             </a:fld>
             <a:endParaRPr lang="zh-CN" altLang="en-US"/>
           </a:p>
@@ -4439,7 +4439,7 @@
           <a:p>
             <a:fld id="{D886EB43-007C-4455-BB67-DBD2F5AB75BC}" type="datetimeFigureOut">
               <a:rPr lang="zh-CN" altLang="en-US" smtClean="0"/>
-              <a:t>2019/9/27</a:t>
+              <a:t>2020/9/2</a:t>
             </a:fld>
             <a:endParaRPr lang="zh-CN" altLang="en-US"/>
           </a:p>
@@ -4752,7 +4752,7 @@
           <a:p>
             <a:fld id="{D886EB43-007C-4455-BB67-DBD2F5AB75BC}" type="datetimeFigureOut">
               <a:rPr lang="zh-CN" altLang="en-US" smtClean="0"/>
-              <a:t>2019/9/27</a:t>
+              <a:t>2020/9/2</a:t>
             </a:fld>
             <a:endParaRPr lang="zh-CN" altLang="en-US"/>
           </a:p>
@@ -5041,7 +5041,7 @@
           <a:p>
             <a:fld id="{D886EB43-007C-4455-BB67-DBD2F5AB75BC}" type="datetimeFigureOut">
               <a:rPr lang="zh-CN" altLang="en-US" smtClean="0"/>
-              <a:t>2019/9/27</a:t>
+              <a:t>2020/9/2</a:t>
             </a:fld>
             <a:endParaRPr lang="zh-CN" altLang="en-US"/>
           </a:p>
@@ -5287,7 +5287,7 @@
           <a:p>
             <a:fld id="{D886EB43-007C-4455-BB67-DBD2F5AB75BC}" type="datetimeFigureOut">
               <a:rPr lang="zh-CN" altLang="en-US" smtClean="0"/>
-              <a:t>2019/9/27</a:t>
+              <a:t>2020/9/2</a:t>
             </a:fld>
             <a:endParaRPr lang="zh-CN" altLang="en-US"/>
           </a:p>
@@ -5731,13 +5731,13 @@
         </p:spPr>
         <p:txBody>
           <a:bodyPr>
-            <a:normAutofit fontScale="77500" lnSpcReduction="20000"/>
+            <a:normAutofit/>
           </a:bodyPr>
           <a:lstStyle/>
           <a:p>
             <a:r>
               <a:rPr lang="en-US" altLang="zh-CN" sz="3200" dirty="0"/>
-              <a:t>I2C&amp;SMbus Protocol Introduction</a:t>
+              <a:t>I2C Protocol Introduction</a:t>
             </a:r>
             <a:endParaRPr lang="zh-CN" altLang="en-US" sz="3200" dirty="0"/>
           </a:p>
@@ -5774,14 +5774,14 @@
             <a:pPr algn="l"/>
             <a:r>
               <a:rPr lang="en-US" altLang="zh-CN" sz="2400" dirty="0"/>
-              <a:t>Hongli Pang</a:t>
+              <a:t>Hongjie Chen</a:t>
             </a:r>
           </a:p>
           <a:p>
             <a:pPr algn="l"/>
             <a:r>
               <a:rPr lang="en-US" altLang="zh-CN" sz="2400" dirty="0"/>
-              <a:t>Updated :2019/9/19</a:t>
+              <a:t>Updated :2020/9/2</a:t>
             </a:r>
             <a:endParaRPr lang="zh-CN" altLang="en-US" sz="2400" dirty="0"/>
           </a:p>
@@ -8125,30 +8125,85 @@
         </p:spPr>
         <p:txBody>
           <a:bodyPr>
-            <a:normAutofit lnSpcReduction="10000"/>
+            <a:normAutofit/>
           </a:bodyPr>
           <a:lstStyle/>
           <a:p>
             <a:pPr marL="342900" indent="-342900">
               <a:buFont typeface="Wingdings" panose="05000000000000000000" pitchFamily="2" charset="2"/>
-              <a:buChar char="Ø"/>
+              <a:buChar char="l"/>
             </a:pPr>
             <a:r>
               <a:rPr lang="en-US" altLang="zh-CN" dirty="0"/>
-              <a:t>I2C  summary</a:t>
-            </a:r>
-          </a:p>
-          <a:p>
-            <a:endParaRPr lang="en-US" altLang="zh-CN" dirty="0"/>
+              <a:t>What is I2C</a:t>
+            </a:r>
           </a:p>
           <a:p>
             <a:pPr marL="342900" indent="-342900">
               <a:buFont typeface="Wingdings" panose="05000000000000000000" pitchFamily="2" charset="2"/>
-              <a:buChar char="Ø"/>
+              <a:buChar char="l"/>
+            </a:pPr>
+            <a:endParaRPr lang="en-US" altLang="zh-CN" dirty="0"/>
+          </a:p>
+          <a:p>
+            <a:pPr marL="342900" indent="-342900">
+              <a:buFont typeface="Wingdings" panose="05000000000000000000" pitchFamily="2" charset="2"/>
+              <a:buChar char="l"/>
             </a:pPr>
             <a:r>
               <a:rPr lang="en-US" altLang="zh-CN" dirty="0"/>
               <a:t>I2C bus performance</a:t>
+            </a:r>
+          </a:p>
+          <a:p>
+            <a:pPr marL="342900" indent="-342900">
+              <a:buFont typeface="Wingdings" panose="05000000000000000000" pitchFamily="2" charset="2"/>
+              <a:buChar char="l"/>
+            </a:pPr>
+            <a:endParaRPr lang="en-US" altLang="zh-CN" dirty="0"/>
+          </a:p>
+          <a:p>
+            <a:pPr marL="342900" indent="-342900">
+              <a:buFont typeface="Wingdings" panose="05000000000000000000" pitchFamily="2" charset="2"/>
+              <a:buChar char="l"/>
+            </a:pPr>
+            <a:r>
+              <a:rPr lang="en-US" altLang="zh-CN" dirty="0"/>
+              <a:t>Bus operation</a:t>
+            </a:r>
+          </a:p>
+          <a:p>
+            <a:pPr marL="342900" indent="-342900">
+              <a:buFont typeface="Wingdings" panose="05000000000000000000" pitchFamily="2" charset="2"/>
+              <a:buChar char="l"/>
+            </a:pPr>
+            <a:endParaRPr lang="en-US" altLang="zh-CN" dirty="0"/>
+          </a:p>
+          <a:p>
+            <a:pPr marL="342900" indent="-342900">
+              <a:buFont typeface="Wingdings" panose="05000000000000000000" pitchFamily="2" charset="2"/>
+              <a:buChar char="l"/>
+            </a:pPr>
+            <a:r>
+              <a:rPr lang="en-US" altLang="zh-CN" dirty="0"/>
+              <a:t>Data /Address mode</a:t>
+            </a:r>
+          </a:p>
+          <a:p>
+            <a:pPr marL="342900" indent="-342900">
+              <a:buFont typeface="Wingdings" panose="05000000000000000000" pitchFamily="2" charset="2"/>
+              <a:buChar char="l"/>
+            </a:pPr>
+            <a:endParaRPr lang="en-US" altLang="zh-CN" dirty="0"/>
+          </a:p>
+          <a:p>
+            <a:pPr marL="342900" indent="-342900">
+              <a:buFont typeface="Wingdings" panose="05000000000000000000" pitchFamily="2" charset="2"/>
+              <a:buChar char="l"/>
+            </a:pPr>
+            <a:r>
+              <a:rPr lang="en-US" altLang="zh-CN" dirty="0"/>
+              <a:t>Example :How to exchange the information by I2C bus</a:t>
             </a:r>
           </a:p>
           <a:p>
@@ -8157,67 +8212,6 @@
               <a:buChar char="Ø"/>
             </a:pPr>
             <a:endParaRPr lang="en-US" altLang="zh-CN" dirty="0"/>
-          </a:p>
-          <a:p>
-            <a:pPr marL="342900" indent="-342900">
-              <a:buFont typeface="Wingdings" panose="05000000000000000000" pitchFamily="2" charset="2"/>
-              <a:buChar char="Ø"/>
-            </a:pPr>
-            <a:r>
-              <a:rPr lang="en-US" altLang="zh-CN" dirty="0"/>
-              <a:t>Bus operation</a:t>
-            </a:r>
-          </a:p>
-          <a:p>
-            <a:pPr marL="342900" indent="-342900">
-              <a:buFont typeface="Wingdings" panose="05000000000000000000" pitchFamily="2" charset="2"/>
-              <a:buChar char="Ø"/>
-            </a:pPr>
-            <a:endParaRPr lang="en-US" altLang="zh-CN" dirty="0"/>
-          </a:p>
-          <a:p>
-            <a:pPr marL="342900" indent="-342900">
-              <a:buFont typeface="Wingdings" panose="05000000000000000000" pitchFamily="2" charset="2"/>
-              <a:buChar char="Ø"/>
-            </a:pPr>
-            <a:r>
-              <a:rPr lang="en-US" altLang="zh-CN" dirty="0"/>
-              <a:t>Data /Address mode</a:t>
-            </a:r>
-          </a:p>
-          <a:p>
-            <a:pPr marL="342900" indent="-342900">
-              <a:buFont typeface="Wingdings" panose="05000000000000000000" pitchFamily="2" charset="2"/>
-              <a:buChar char="Ø"/>
-            </a:pPr>
-            <a:endParaRPr lang="en-US" altLang="zh-CN" dirty="0"/>
-          </a:p>
-          <a:p>
-            <a:pPr marL="342900" indent="-342900">
-              <a:buFont typeface="Wingdings" panose="05000000000000000000" pitchFamily="2" charset="2"/>
-              <a:buChar char="Ø"/>
-            </a:pPr>
-            <a:r>
-              <a:rPr lang="en-US" altLang="zh-CN" dirty="0"/>
-              <a:t>Example :How to exchange the information by I2C bus</a:t>
-            </a:r>
-          </a:p>
-          <a:p>
-            <a:pPr marL="342900" indent="-342900">
-              <a:buFont typeface="Wingdings" panose="05000000000000000000" pitchFamily="2" charset="2"/>
-              <a:buChar char="Ø"/>
-            </a:pPr>
-            <a:endParaRPr lang="en-US" altLang="zh-CN" dirty="0"/>
-          </a:p>
-          <a:p>
-            <a:pPr marL="342900" indent="-342900">
-              <a:buFont typeface="Wingdings" panose="05000000000000000000" pitchFamily="2" charset="2"/>
-              <a:buChar char="Ø"/>
-            </a:pPr>
-            <a:r>
-              <a:rPr lang="en-US" altLang="zh-CN" dirty="0"/>
-              <a:t>SMBUS</a:t>
-            </a:r>
           </a:p>
           <a:p>
             <a:pPr marL="342900" indent="-342900">
@@ -11341,10 +11335,18 @@
           <a:lstStyle/>
           <a:p>
             <a:r>
-              <a:rPr lang="en-US" altLang="zh-CN" dirty="0"/>
-              <a:t>I2C Summary</a:t>
-            </a:r>
-            <a:endParaRPr lang="zh-CN" altLang="en-US" dirty="0"/>
+              <a:rPr lang="en-US" altLang="zh-CN" b="0" dirty="0">
+                <a:solidFill>
+                  <a:schemeClr val="accent1"/>
+                </a:solidFill>
+                <a:latin typeface="Arial Black" panose="020B0A04020102020204" pitchFamily="34" charset="0"/>
+                <a:cs typeface="Arial" panose="020B0604020202020204" pitchFamily="34" charset="0"/>
+              </a:rPr>
+              <a:t>What is I2C</a:t>
+            </a:r>
+            <a:endParaRPr lang="zh-CN" altLang="en-US" b="0" dirty="0">
+              <a:latin typeface="Arial Black" panose="020B0A04020102020204" pitchFamily="34" charset="0"/>
+            </a:endParaRPr>
           </a:p>
         </p:txBody>
       </p:sp>
@@ -11366,8 +11368,8 @@
         </p:nvSpPr>
         <p:spPr>
           <a:xfrm>
-            <a:off x="237228" y="1232115"/>
-            <a:ext cx="11717543" cy="1494312"/>
+            <a:off x="237228" y="1232114"/>
+            <a:ext cx="11717543" cy="2825536"/>
           </a:xfrm>
         </p:spPr>
         <p:txBody>
@@ -11383,51 +11385,16 @@
                 </a:solidFill>
                 <a:cs typeface="Arial" panose="020B0604020202020204" pitchFamily="34" charset="0"/>
               </a:rPr>
-              <a:t> What is I2C </a:t>
-            </a:r>
-            <a:r>
-              <a:rPr lang="zh-CN" altLang="en-US" dirty="0">
+              <a:t>    </a:t>
+            </a:r>
+            <a:r>
+              <a:rPr lang="en-US" altLang="zh-CN" b="0" dirty="0">
                 <a:solidFill>
                   <a:schemeClr val="accent1"/>
                 </a:solidFill>
                 <a:cs typeface="Arial" panose="020B0604020202020204" pitchFamily="34" charset="0"/>
               </a:rPr>
-              <a:t>？</a:t>
-            </a:r>
-            <a:endParaRPr lang="en-US" altLang="zh-CN" dirty="0">
-              <a:solidFill>
-                <a:schemeClr val="accent1"/>
-              </a:solidFill>
-              <a:cs typeface="Arial" panose="020B0604020202020204" pitchFamily="34" charset="0"/>
-            </a:endParaRPr>
-          </a:p>
-          <a:p>
-            <a:r>
-              <a:rPr lang="en-US" altLang="zh-CN" b="0" dirty="0">
-                <a:solidFill>
-                  <a:schemeClr val="accent1"/>
-                </a:solidFill>
-                <a:cs typeface="Arial" panose="020B0604020202020204" pitchFamily="34" charset="0"/>
-              </a:rPr>
-              <a:t> I2C , Inter-integrated Circuit Bus (</a:t>
-            </a:r>
-            <a:r>
-              <a:rPr lang="zh-CN" altLang="en-US" b="0" dirty="0">
-                <a:solidFill>
-                  <a:schemeClr val="accent1"/>
-                </a:solidFill>
-                <a:cs typeface="Arial" panose="020B0604020202020204" pitchFamily="34" charset="0"/>
-              </a:rPr>
-              <a:t>内部集成电路总线</a:t>
-            </a:r>
-            <a:r>
-              <a:rPr lang="en-US" altLang="zh-CN" b="0" dirty="0">
-                <a:solidFill>
-                  <a:schemeClr val="accent1"/>
-                </a:solidFill>
-                <a:cs typeface="Arial" panose="020B0604020202020204" pitchFamily="34" charset="0"/>
-              </a:rPr>
-              <a:t>). It  was originally developed and designed by Philips in 1982.</a:t>
+              <a:t>I2C is a serial protocol for two-wire interface to connect low-speed devices like microcontrollers, EEPROMs, A/D and D/A converters, I/O interfaces and other similar peripherals in embedded systems. It was invented by Philips and now it is used by almost all major IC manufacturers. Each I2C slave device needs an address – they must still be obtained from NXP (formerly Philips semiconductors).</a:t>
             </a:r>
             <a:endParaRPr lang="zh-CN" altLang="en-US" b="0" dirty="0">
               <a:solidFill>
@@ -11438,74 +11405,12 @@
           </a:p>
         </p:txBody>
       </p:sp>
-      <p:sp>
-        <p:nvSpPr>
-          <p:cNvPr id="8" name="Text Placeholder 7">
-            <a:extLst>
-              <a:ext uri="{FF2B5EF4-FFF2-40B4-BE49-F238E27FC236}">
-                <a16:creationId xmlns:a16="http://schemas.microsoft.com/office/drawing/2014/main" id="{AE1D53CE-886C-4E06-BBFE-86CAC1755D14}"/>
-              </a:ext>
-            </a:extLst>
-          </p:cNvPr>
-          <p:cNvSpPr>
-            <a:spLocks noGrp="1"/>
-          </p:cNvSpPr>
-          <p:nvPr>
-            <p:ph type="body" sz="quarter" idx="17"/>
-          </p:nvPr>
-        </p:nvSpPr>
-        <p:spPr>
-          <a:xfrm>
-            <a:off x="237228" y="2573354"/>
-            <a:ext cx="11522117" cy="3116440"/>
-          </a:xfrm>
-        </p:spPr>
-        <p:txBody>
-          <a:bodyPr>
-            <a:normAutofit/>
-          </a:bodyPr>
-          <a:lstStyle/>
-          <a:p>
-            <a:pPr marL="0" indent="0">
-              <a:lnSpc>
-                <a:spcPct val="100000"/>
-              </a:lnSpc>
-              <a:buNone/>
-            </a:pPr>
-            <a:r>
-              <a:rPr lang="en-US" altLang="zh-CN" sz="2400" dirty="0">
-                <a:solidFill>
-                  <a:srgbClr val="005486"/>
-                </a:solidFill>
-                <a:latin typeface="Arial" panose="020B0604020202020204" pitchFamily="34" charset="0"/>
-                <a:cs typeface="Arial" panose="020B0604020202020204" pitchFamily="34" charset="0"/>
-              </a:rPr>
-              <a:t>  </a:t>
-            </a:r>
-            <a:r>
-              <a:rPr lang="en-US" altLang="zh-CN" sz="2400" dirty="0">
-                <a:solidFill>
-                  <a:schemeClr val="accent1"/>
-                </a:solidFill>
-                <a:cs typeface="Arial" panose="020B0604020202020204" pitchFamily="34" charset="0"/>
-              </a:rPr>
-              <a:t>I2C bus supports the short range communication between the devices. It is used for the interface between the processor and some external devices. It only use two signal lines to complete the information transfer between the devices. At first it only allowed the 100kbit/s ,7-bits standard address .</a:t>
-            </a:r>
-            <a:endParaRPr lang="zh-CN" altLang="en-US" sz="2400" dirty="0">
-              <a:solidFill>
-                <a:schemeClr val="accent1"/>
-              </a:solidFill>
-              <a:cs typeface="Arial" panose="020B0604020202020204" pitchFamily="34" charset="0"/>
-            </a:endParaRPr>
-          </a:p>
-        </p:txBody>
-      </p:sp>
       <p:pic>
         <p:nvPicPr>
-          <p:cNvPr id="2" name="Picture 1">
-            <a:extLst>
-              <a:ext uri="{FF2B5EF4-FFF2-40B4-BE49-F238E27FC236}">
-                <a16:creationId xmlns:a16="http://schemas.microsoft.com/office/drawing/2014/main" id="{72520A0E-1618-49BC-87AA-65DE8CEE4A84}"/>
+          <p:cNvPr id="7" name="Picture 6">
+            <a:extLst>
+              <a:ext uri="{FF2B5EF4-FFF2-40B4-BE49-F238E27FC236}">
+                <a16:creationId xmlns:a16="http://schemas.microsoft.com/office/drawing/2014/main" id="{E8892780-FAD9-479E-90EF-A30771DE42F7}"/>
               </a:ext>
             </a:extLst>
           </p:cNvPr>
@@ -11515,15 +11420,21 @@
           <p:nvPr/>
         </p:nvPicPr>
         <p:blipFill>
-          <a:blip r:embed="rId2"/>
+          <a:blip r:embed="rId2">
+            <a:extLst>
+              <a:ext uri="{28A0092B-C50C-407E-A947-70E740481C1C}">
+                <a14:useLocalDpi xmlns:a14="http://schemas.microsoft.com/office/drawing/2010/main" val="0"/>
+              </a:ext>
+            </a:extLst>
+          </a:blip>
           <a:stretch>
             <a:fillRect/>
           </a:stretch>
         </p:blipFill>
         <p:spPr>
           <a:xfrm>
-            <a:off x="6241774" y="3782945"/>
-            <a:ext cx="4757557" cy="2722906"/>
+            <a:off x="2747962" y="4057650"/>
+            <a:ext cx="5842635" cy="2069962"/>
           </a:xfrm>
           <a:prstGeom prst="rect">
             <a:avLst/>
@@ -14143,10 +14054,10 @@
       </p:sp>
       <p:sp>
         <p:nvSpPr>
-          <p:cNvPr id="6" name="Text Placeholder 5">
-            <a:extLst>
-              <a:ext uri="{FF2B5EF4-FFF2-40B4-BE49-F238E27FC236}">
-                <a16:creationId xmlns:a16="http://schemas.microsoft.com/office/drawing/2014/main" id="{DBB8DDD8-AEF0-4A4F-912D-B2D06A428B08}"/>
+          <p:cNvPr id="3" name="Text Placeholder 2">
+            <a:extLst>
+              <a:ext uri="{FF2B5EF4-FFF2-40B4-BE49-F238E27FC236}">
+                <a16:creationId xmlns:a16="http://schemas.microsoft.com/office/drawing/2014/main" id="{CA774F88-BF64-4F34-90F5-026005C16C49}"/>
               </a:ext>
             </a:extLst>
           </p:cNvPr>
@@ -14160,7 +14071,7 @@
         <p:spPr>
           <a:xfrm>
             <a:off x="237391" y="1222022"/>
-            <a:ext cx="11717543" cy="4926529"/>
+            <a:ext cx="11717543" cy="4150077"/>
           </a:xfrm>
         </p:spPr>
         <p:txBody>
@@ -14169,212 +14080,17 @@
           </a:bodyPr>
           <a:lstStyle/>
           <a:p>
-            <a:pPr marL="342900" indent="-342900">
-              <a:buFont typeface="Arial" panose="020B0604020202020204" pitchFamily="34" charset="0"/>
-              <a:buChar char="•"/>
-            </a:pPr>
-            <a:r>
-              <a:rPr lang="en-US" altLang="zh-CN" b="0" dirty="0">
-                <a:solidFill>
-                  <a:schemeClr val="accent1"/>
-                </a:solidFill>
-                <a:cs typeface="Arial" panose="020B0604020202020204" pitchFamily="34" charset="0"/>
-              </a:rPr>
-              <a:t>This kind of bus has the advantage of the fewer pins and simple hardware structure . </a:t>
-            </a:r>
-          </a:p>
-          <a:p>
-            <a:pPr marL="342900" indent="-342900">
-              <a:buFont typeface="Arial" panose="020B0604020202020204" pitchFamily="34" charset="0"/>
-              <a:buChar char="•"/>
-            </a:pPr>
-            <a:r>
-              <a:rPr lang="en-US" altLang="zh-CN" b="0" dirty="0">
-                <a:solidFill>
-                  <a:schemeClr val="accent1"/>
-                </a:solidFill>
-                <a:cs typeface="Arial" panose="020B0604020202020204" pitchFamily="34" charset="0"/>
-              </a:rPr>
-              <a:t>Two signal lines to transfer the information :SDA and SCL .</a:t>
-            </a:r>
-          </a:p>
-          <a:p>
-            <a:pPr marL="342900" indent="-342900">
-              <a:buFont typeface="Arial" panose="020B0604020202020204" pitchFamily="34" charset="0"/>
-              <a:buChar char="•"/>
-            </a:pPr>
-            <a:r>
-              <a:rPr lang="en-US" altLang="zh-CN" b="0" dirty="0">
-                <a:solidFill>
-                  <a:schemeClr val="accent1"/>
-                </a:solidFill>
-                <a:cs typeface="Arial" panose="020B0604020202020204" pitchFamily="34" charset="0"/>
-              </a:rPr>
-              <a:t>Support the 7 bits address and 10 bits address .</a:t>
-            </a:r>
-          </a:p>
-          <a:p>
-            <a:pPr marL="342900" indent="-342900">
-              <a:buFont typeface="Arial" panose="020B0604020202020204" pitchFamily="34" charset="0"/>
-              <a:buChar char="•"/>
-            </a:pPr>
-            <a:r>
-              <a:rPr lang="en-US" altLang="zh-CN" b="0" dirty="0">
-                <a:solidFill>
-                  <a:schemeClr val="accent1"/>
-                </a:solidFill>
-                <a:cs typeface="Arial" panose="020B0604020202020204" pitchFamily="34" charset="0"/>
-              </a:rPr>
-              <a:t>Support the multi-master . The same interface can act as Master or Slave mode . Allow the multiple masters and every one can communicate with all the slaves .</a:t>
-            </a:r>
-          </a:p>
-          <a:p>
-            <a:pPr marL="342900" indent="-342900">
-              <a:buFont typeface="Arial" panose="020B0604020202020204" pitchFamily="34" charset="0"/>
-              <a:buChar char="•"/>
-            </a:pPr>
-            <a:r>
-              <a:rPr lang="en-US" altLang="zh-CN" b="0" dirty="0">
-                <a:solidFill>
-                  <a:schemeClr val="accent1"/>
-                </a:solidFill>
-                <a:cs typeface="Arial" panose="020B0604020202020204" pitchFamily="34" charset="0"/>
-              </a:rPr>
-              <a:t>Support different transfer speed , there are five modes :</a:t>
-            </a:r>
-          </a:p>
-          <a:p>
-            <a:pPr marL="1028700" lvl="1" indent="-342900">
-              <a:buFont typeface="Wingdings" panose="05000000000000000000" pitchFamily="2" charset="2"/>
-              <a:buChar char="Ø"/>
-            </a:pPr>
-            <a:r>
-              <a:rPr lang="en-US" altLang="zh-CN" b="0" dirty="0">
-                <a:solidFill>
-                  <a:schemeClr val="accent1"/>
-                </a:solidFill>
-                <a:cs typeface="Arial" panose="020B0604020202020204" pitchFamily="34" charset="0"/>
-              </a:rPr>
-              <a:t>     S</a:t>
-            </a:r>
-            <a:r>
-              <a:rPr lang="en-US" altLang="zh-CN" dirty="0">
-                <a:solidFill>
-                  <a:schemeClr val="accent1"/>
-                </a:solidFill>
-                <a:cs typeface="Arial" panose="020B0604020202020204" pitchFamily="34" charset="0"/>
-              </a:rPr>
-              <a:t>tandard</a:t>
-            </a:r>
-            <a:r>
-              <a:rPr lang="en-US" altLang="zh-CN" b="0" dirty="0">
-                <a:solidFill>
-                  <a:schemeClr val="accent1"/>
-                </a:solidFill>
-                <a:cs typeface="Arial" panose="020B0604020202020204" pitchFamily="34" charset="0"/>
-              </a:rPr>
-              <a:t> mode (100kbit/s )</a:t>
-            </a:r>
-          </a:p>
-          <a:p>
-            <a:pPr marL="1028700" lvl="1" indent="-342900">
-              <a:buFont typeface="Wingdings" panose="05000000000000000000" pitchFamily="2" charset="2"/>
-              <a:buChar char="Ø"/>
-            </a:pPr>
-            <a:r>
-              <a:rPr lang="en-US" altLang="zh-CN" b="0" dirty="0">
-                <a:solidFill>
-                  <a:schemeClr val="accent1"/>
-                </a:solidFill>
-                <a:cs typeface="Arial" panose="020B0604020202020204" pitchFamily="34" charset="0"/>
-              </a:rPr>
-              <a:t>     Fast mode(400kbit/s) </a:t>
-            </a:r>
-          </a:p>
-          <a:p>
-            <a:pPr marL="1028700" lvl="1" indent="-342900">
-              <a:buFont typeface="Wingdings" panose="05000000000000000000" pitchFamily="2" charset="2"/>
-              <a:buChar char="Ø"/>
-            </a:pPr>
-            <a:r>
-              <a:rPr lang="en-US" altLang="zh-CN" b="0" dirty="0">
-                <a:solidFill>
-                  <a:schemeClr val="accent1"/>
-                </a:solidFill>
-                <a:cs typeface="Arial" panose="020B0604020202020204" pitchFamily="34" charset="0"/>
-              </a:rPr>
-              <a:t>     Fast mode+(1Mbit/s) </a:t>
-            </a:r>
-          </a:p>
-          <a:p>
-            <a:pPr marL="1028700" lvl="1" indent="-342900">
-              <a:buFont typeface="Wingdings" panose="05000000000000000000" pitchFamily="2" charset="2"/>
-              <a:buChar char="Ø"/>
-            </a:pPr>
-            <a:r>
-              <a:rPr lang="en-US" altLang="zh-CN" b="0" dirty="0">
-                <a:solidFill>
-                  <a:schemeClr val="accent1"/>
-                </a:solidFill>
-                <a:cs typeface="Arial" panose="020B0604020202020204" pitchFamily="34" charset="0"/>
-              </a:rPr>
-              <a:t>     High speed mode (3.4Mbit/s) </a:t>
-            </a:r>
-          </a:p>
-          <a:p>
-            <a:pPr marL="1028700" lvl="1" indent="-342900">
-              <a:buFont typeface="Wingdings" panose="05000000000000000000" pitchFamily="2" charset="2"/>
-              <a:buChar char="Ø"/>
-            </a:pPr>
-            <a:r>
-              <a:rPr lang="en-US" altLang="zh-CN" b="0" dirty="0">
-                <a:solidFill>
-                  <a:schemeClr val="accent1"/>
-                </a:solidFill>
-                <a:cs typeface="Arial" panose="020B0604020202020204" pitchFamily="34" charset="0"/>
-              </a:rPr>
-              <a:t>     </a:t>
-            </a:r>
-            <a:r>
-              <a:rPr lang="en-US" altLang="zh-CN" dirty="0">
-                <a:solidFill>
-                  <a:srgbClr val="FF0000"/>
-                </a:solidFill>
-                <a:cs typeface="Arial" panose="020B0604020202020204" pitchFamily="34" charset="0"/>
-              </a:rPr>
-              <a:t>S</a:t>
-            </a:r>
-            <a:r>
-              <a:rPr lang="en-US" altLang="zh-CN" b="0" dirty="0">
-                <a:solidFill>
-                  <a:srgbClr val="FF0000"/>
-                </a:solidFill>
-                <a:cs typeface="Arial" panose="020B0604020202020204" pitchFamily="34" charset="0"/>
-              </a:rPr>
-              <a:t>uper high speed mode (5Mbit/s)  </a:t>
-            </a:r>
-          </a:p>
-          <a:p>
-            <a:pPr lvl="1" indent="0">
-              <a:buNone/>
-            </a:pPr>
-            <a:endParaRPr lang="en-US" altLang="zh-CN" b="0" dirty="0">
-              <a:solidFill>
-                <a:schemeClr val="accent1"/>
-              </a:solidFill>
-              <a:cs typeface="Arial" panose="020B0604020202020204" pitchFamily="34" charset="0"/>
-            </a:endParaRPr>
-          </a:p>
-          <a:p>
-            <a:endParaRPr lang="en-US" altLang="zh-CN" b="0" dirty="0">
-              <a:solidFill>
-                <a:schemeClr val="accent1"/>
-              </a:solidFill>
-              <a:cs typeface="Arial" panose="020B0604020202020204" pitchFamily="34" charset="0"/>
-            </a:endParaRPr>
-          </a:p>
-          <a:p>
-            <a:endParaRPr lang="zh-CN" altLang="en-US" dirty="0"/>
+            <a:r>
+              <a:rPr lang="en-US" altLang="zh-CN" b="0" dirty="0"/>
+              <a:t>    Each slave device has a unique address. Transfer from and to master device is serial and it is split into 8-bit packets. All these simple requirements make it very simple to implement I2C interface even with cheap microcontrollers that have no special I2C hardware controller. You only need 2 free I/O pins and few simple i2C routines to send and receive commands.</a:t>
+            </a:r>
+          </a:p>
+          <a:p>
+            <a:r>
+              <a:rPr lang="en-US" altLang="zh-CN" b="0" dirty="0"/>
+              <a:t>  The initial I2C specifications defined maximum clock frequency of 100 kHz. This was later increased to 400 kHz as Fast mode. There is also a high speed mode which can go up to 3.4 MHz and there is also a 5 MHz ultra-fast mode.</a:t>
+            </a:r>
+            <a:endParaRPr lang="zh-CN" altLang="en-US" b="0" dirty="0"/>
           </a:p>
         </p:txBody>
       </p:sp>
